--- a/Docs.28.01/Cuidados com a Visão no Trabalho.pptx
+++ b/Docs.28.01/Cuidados com a Visão no Trabalho.pptx
@@ -7,8 +7,11 @@
   <p:sldIdLst>
     <p:sldId id="256" r:id="rId2"/>
     <p:sldId id="258" r:id="rId3"/>
-    <p:sldId id="259" r:id="rId4"/>
-    <p:sldId id="257" r:id="rId5"/>
+    <p:sldId id="260" r:id="rId4"/>
+    <p:sldId id="262" r:id="rId5"/>
+    <p:sldId id="259" r:id="rId6"/>
+    <p:sldId id="257" r:id="rId7"/>
+    <p:sldId id="261" r:id="rId8"/>
   </p:sldIdLst>
   <p:sldSz cx="12192000" cy="6858000"/>
   <p:notesSz cx="6858000" cy="9144000"/>
@@ -107,6 +110,11 @@
       </a:defRPr>
     </a:lvl9pPr>
   </p:defaultTextStyle>
+  <p:extLst>
+    <p:ext uri="{EFAFB233-063F-42B5-8137-9DF3F51BA10A}">
+      <p15:sldGuideLst xmlns:p15="http://schemas.microsoft.com/office/powerpoint/2012/main"/>
+    </p:ext>
+  </p:extLst>
 </p:presentation>
 </file>
 
@@ -241,7 +249,7 @@
           <a:p>
             <a:fld id="{17E38EE1-0D30-45E3-83B4-A1F9140379E4}" type="datetimeFigureOut">
               <a:rPr lang="pt-BR" smtClean="0"/>
-              <a:t>30/01/2015</a:t>
+              <a:t>01/02/2015</a:t>
             </a:fld>
             <a:endParaRPr lang="pt-BR"/>
           </a:p>
@@ -411,7 +419,7 @@
           <a:p>
             <a:fld id="{17E38EE1-0D30-45E3-83B4-A1F9140379E4}" type="datetimeFigureOut">
               <a:rPr lang="pt-BR" smtClean="0"/>
-              <a:t>30/01/2015</a:t>
+              <a:t>01/02/2015</a:t>
             </a:fld>
             <a:endParaRPr lang="pt-BR"/>
           </a:p>
@@ -591,7 +599,7 @@
           <a:p>
             <a:fld id="{17E38EE1-0D30-45E3-83B4-A1F9140379E4}" type="datetimeFigureOut">
               <a:rPr lang="pt-BR" smtClean="0"/>
-              <a:t>30/01/2015</a:t>
+              <a:t>01/02/2015</a:t>
             </a:fld>
             <a:endParaRPr lang="pt-BR"/>
           </a:p>
@@ -761,7 +769,7 @@
           <a:p>
             <a:fld id="{17E38EE1-0D30-45E3-83B4-A1F9140379E4}" type="datetimeFigureOut">
               <a:rPr lang="pt-BR" smtClean="0"/>
-              <a:t>30/01/2015</a:t>
+              <a:t>01/02/2015</a:t>
             </a:fld>
             <a:endParaRPr lang="pt-BR"/>
           </a:p>
@@ -1007,7 +1015,7 @@
           <a:p>
             <a:fld id="{17E38EE1-0D30-45E3-83B4-A1F9140379E4}" type="datetimeFigureOut">
               <a:rPr lang="pt-BR" smtClean="0"/>
-              <a:t>30/01/2015</a:t>
+              <a:t>01/02/2015</a:t>
             </a:fld>
             <a:endParaRPr lang="pt-BR"/>
           </a:p>
@@ -1239,7 +1247,7 @@
           <a:p>
             <a:fld id="{17E38EE1-0D30-45E3-83B4-A1F9140379E4}" type="datetimeFigureOut">
               <a:rPr lang="pt-BR" smtClean="0"/>
-              <a:t>30/01/2015</a:t>
+              <a:t>01/02/2015</a:t>
             </a:fld>
             <a:endParaRPr lang="pt-BR"/>
           </a:p>
@@ -1606,7 +1614,7 @@
           <a:p>
             <a:fld id="{17E38EE1-0D30-45E3-83B4-A1F9140379E4}" type="datetimeFigureOut">
               <a:rPr lang="pt-BR" smtClean="0"/>
-              <a:t>30/01/2015</a:t>
+              <a:t>01/02/2015</a:t>
             </a:fld>
             <a:endParaRPr lang="pt-BR"/>
           </a:p>
@@ -1724,7 +1732,7 @@
           <a:p>
             <a:fld id="{17E38EE1-0D30-45E3-83B4-A1F9140379E4}" type="datetimeFigureOut">
               <a:rPr lang="pt-BR" smtClean="0"/>
-              <a:t>30/01/2015</a:t>
+              <a:t>01/02/2015</a:t>
             </a:fld>
             <a:endParaRPr lang="pt-BR"/>
           </a:p>
@@ -1819,7 +1827,7 @@
           <a:p>
             <a:fld id="{17E38EE1-0D30-45E3-83B4-A1F9140379E4}" type="datetimeFigureOut">
               <a:rPr lang="pt-BR" smtClean="0"/>
-              <a:t>30/01/2015</a:t>
+              <a:t>01/02/2015</a:t>
             </a:fld>
             <a:endParaRPr lang="pt-BR"/>
           </a:p>
@@ -2096,7 +2104,7 @@
           <a:p>
             <a:fld id="{17E38EE1-0D30-45E3-83B4-A1F9140379E4}" type="datetimeFigureOut">
               <a:rPr lang="pt-BR" smtClean="0"/>
-              <a:t>30/01/2015</a:t>
+              <a:t>01/02/2015</a:t>
             </a:fld>
             <a:endParaRPr lang="pt-BR"/>
           </a:p>
@@ -2349,7 +2357,7 @@
           <a:p>
             <a:fld id="{17E38EE1-0D30-45E3-83B4-A1F9140379E4}" type="datetimeFigureOut">
               <a:rPr lang="pt-BR" smtClean="0"/>
-              <a:t>30/01/2015</a:t>
+              <a:t>01/02/2015</a:t>
             </a:fld>
             <a:endParaRPr lang="pt-BR"/>
           </a:p>
@@ -2562,7 +2570,7 @@
           <a:p>
             <a:fld id="{17E38EE1-0D30-45E3-83B4-A1F9140379E4}" type="datetimeFigureOut">
               <a:rPr lang="pt-BR" smtClean="0"/>
-              <a:t>30/01/2015</a:t>
+              <a:t>01/02/2015</a:t>
             </a:fld>
             <a:endParaRPr lang="pt-BR"/>
           </a:p>
@@ -2988,10 +2996,10 @@
           <a:lstStyle/>
           <a:p>
             <a:r>
-              <a:rPr lang="pt-BR" dirty="0" smtClean="0"/>
+              <a:rPr lang="pt-BR" b="1" dirty="0" smtClean="0"/>
               <a:t>Cuidados com a Visão no Trabalho</a:t>
             </a:r>
-            <a:endParaRPr lang="pt-BR" dirty="0"/>
+            <a:endParaRPr lang="pt-BR" b="1" dirty="0"/>
           </a:p>
         </p:txBody>
       </p:sp>
@@ -3042,40 +3050,62 @@
           <a:p>
             <a:pPr algn="ctr"/>
             <a:r>
+              <a:rPr lang="pt-BR" b="1" dirty="0" smtClean="0"/>
+              <a:t>Você possui problemas de Visão?</a:t>
+            </a:r>
+            <a:endParaRPr lang="pt-BR" b="1" dirty="0"/>
+          </a:p>
+        </p:txBody>
+      </p:sp>
+      <p:sp>
+        <p:nvSpPr>
+          <p:cNvPr id="3" name="Espaço Reservado para Conteúdo 2"/>
+          <p:cNvSpPr>
+            <a:spLocks noGrp="1"/>
+          </p:cNvSpPr>
+          <p:nvPr>
+            <p:ph idx="1"/>
+          </p:nvPr>
+        </p:nvSpPr>
+        <p:spPr>
+          <a:xfrm>
+            <a:off x="838200" y="1505525"/>
+            <a:ext cx="10515600" cy="5135416"/>
+          </a:xfrm>
+        </p:spPr>
+        <p:txBody>
+          <a:bodyPr>
+            <a:normAutofit lnSpcReduction="10000"/>
+          </a:bodyPr>
+          <a:lstStyle/>
+          <a:p>
+            <a:pPr algn="just"/>
+            <a:r>
               <a:rPr lang="pt-BR" dirty="0" smtClean="0"/>
-              <a:t>Você possui problemas de Visão?</a:t>
-            </a:r>
+              <a:t>Às vezes nos deparamos com uma vida agitada de trabalho e estudo e acabamos não oferecendo a devida atenção ao nosso corpo. Várias mudanças ocorrem, inclusive por efeito de desgaste físico, e apenas passamos a notar algo de diferente quando parece ser tarde para resolver. </a:t>
+            </a:r>
+          </a:p>
+          <a:p>
+            <a:pPr algn="just"/>
             <a:endParaRPr lang="pt-BR" dirty="0"/>
           </a:p>
-        </p:txBody>
-      </p:sp>
-      <p:sp>
-        <p:nvSpPr>
-          <p:cNvPr id="3" name="Espaço Reservado para Conteúdo 2"/>
-          <p:cNvSpPr>
-            <a:spLocks noGrp="1"/>
-          </p:cNvSpPr>
-          <p:nvPr>
-            <p:ph idx="1"/>
-          </p:nvPr>
-        </p:nvSpPr>
-        <p:spPr/>
-        <p:txBody>
-          <a:bodyPr/>
-          <a:lstStyle/>
-          <a:p>
+          <a:p>
+            <a:pPr algn="just"/>
             <a:r>
               <a:rPr lang="pt-BR" dirty="0" smtClean="0"/>
-              <a:t>As principais causas dos problemas de visão atuais são referentes ao uso descontrolado de ferramentas que podem gerar transtornos oftalmológicos a longo prazo.</a:t>
-            </a:r>
-          </a:p>
-          <a:p>
+              <a:t>Os problemas visuais mais comuns estão encaixados nessa categoria. </a:t>
+            </a:r>
+          </a:p>
+          <a:p>
+            <a:pPr algn="just"/>
+            <a:endParaRPr lang="pt-BR" dirty="0"/>
+          </a:p>
+          <a:p>
+            <a:pPr algn="just"/>
             <a:r>
               <a:rPr lang="pt-BR" dirty="0" smtClean="0"/>
-              <a:t>O exemplo mais comum é a utilização de computadores em geral (Desktops, Notebooks, Smartphones, etc.).</a:t>
-            </a:r>
-          </a:p>
-          <a:p>
+              <a:t>Se levarmos em consideração que podemos ser acometidos a uma doença que se manifesta de forma notória (e às vezes irreversível) com o passar dos anos, não devemos deixar de lado os pequenos sintomas de algo que pode, de fato, tomar proporções bem maiores um dia.</a:t>
+            </a:r>
             <a:endParaRPr lang="pt-BR" dirty="0"/>
           </a:p>
         </p:txBody>
@@ -3125,54 +3155,419 @@
           <a:bodyPr/>
           <a:lstStyle/>
           <a:p>
+            <a:pPr algn="ctr"/>
+            <a:r>
+              <a:rPr lang="pt-BR" b="1" dirty="0" smtClean="0"/>
+              <a:t>Principais problemas de Visão</a:t>
+            </a:r>
+            <a:endParaRPr lang="pt-BR" b="1" dirty="0"/>
+          </a:p>
+        </p:txBody>
+      </p:sp>
+      <p:sp>
+        <p:nvSpPr>
+          <p:cNvPr id="3" name="Espaço Reservado para Conteúdo 2"/>
+          <p:cNvSpPr>
+            <a:spLocks noGrp="1"/>
+          </p:cNvSpPr>
+          <p:nvPr>
+            <p:ph idx="1"/>
+          </p:nvPr>
+        </p:nvSpPr>
+        <p:spPr>
+          <a:xfrm>
+            <a:off x="542925" y="1481138"/>
+            <a:ext cx="11106150" cy="5186363"/>
+          </a:xfrm>
+        </p:spPr>
+        <p:txBody>
+          <a:bodyPr numCol="1">
+            <a:normAutofit/>
+          </a:bodyPr>
+          <a:lstStyle/>
+          <a:p>
             <a:r>
               <a:rPr lang="pt-BR" dirty="0" smtClean="0"/>
-              <a:t>Principais problemas de Visão</a:t>
-            </a:r>
+              <a:t>Referente a profissões que lidam constantemente com a utilização de computadores, como o </a:t>
+            </a:r>
+            <a:r>
+              <a:rPr lang="pt-BR" i="1" dirty="0" smtClean="0"/>
+              <a:t>telemarketing</a:t>
+            </a:r>
+            <a:r>
+              <a:rPr lang="pt-BR" dirty="0" smtClean="0"/>
+              <a:t> e </a:t>
+            </a:r>
+            <a:r>
+              <a:rPr lang="pt-BR" dirty="0"/>
+              <a:t>a</a:t>
+            </a:r>
+            <a:r>
+              <a:rPr lang="pt-BR" dirty="0" smtClean="0"/>
+              <a:t>s </a:t>
+            </a:r>
+            <a:r>
+              <a:rPr lang="pt-BR" dirty="0" smtClean="0"/>
+              <a:t>profissões ligadas à Tecnologia da Informação, tornaram-se populares alguns </a:t>
+            </a:r>
+            <a:r>
+              <a:rPr lang="pt-BR" dirty="0" smtClean="0"/>
+              <a:t>sintomas:</a:t>
+            </a:r>
+            <a:endParaRPr lang="pt-BR" dirty="0" smtClean="0"/>
+          </a:p>
+          <a:p>
             <a:endParaRPr lang="pt-BR" dirty="0"/>
           </a:p>
-        </p:txBody>
-      </p:sp>
-      <p:sp>
-        <p:nvSpPr>
-          <p:cNvPr id="3" name="Espaço Reservado para Conteúdo 2"/>
-          <p:cNvSpPr>
-            <a:spLocks noGrp="1"/>
-          </p:cNvSpPr>
-          <p:nvPr>
-            <p:ph idx="1"/>
-          </p:nvPr>
-        </p:nvSpPr>
-        <p:spPr/>
-        <p:txBody>
-          <a:bodyPr/>
-          <a:lstStyle/>
-          <a:p>
-            <a:r>
-              <a:rPr lang="pt-BR" dirty="0" smtClean="0"/>
-              <a:t>O </a:t>
-            </a:r>
-            <a:r>
-              <a:rPr lang="pt-BR" dirty="0"/>
-              <a:t>descolamento da retina é um incidente que pode acontecer com os trabalhadores. “A retina é o tecido nervoso do olho. Traumas, quedas ou batidas muito fortes na cabeça podem fazer com que a retina descole das outras estruturas do olho. Por isso, é muito importante a segurança no local de trabalho, o uso de equipamentos adequados, como capacetes e óculos de proteção, que previnam acidentes</a:t>
-            </a:r>
-            <a:r>
-              <a:rPr lang="pt-BR" dirty="0" smtClean="0"/>
-              <a:t>.”</a:t>
-            </a:r>
+          <a:p>
+            <a:endParaRPr lang="pt-BR" dirty="0" smtClean="0"/>
           </a:p>
           <a:p>
             <a:endParaRPr lang="pt-BR" dirty="0"/>
           </a:p>
-          <a:p>
-            <a:endParaRPr lang="pt-BR" dirty="0"/>
-          </a:p>
-        </p:txBody>
-      </p:sp>
+        </p:txBody>
+      </p:sp>
+      <p:graphicFrame>
+        <p:nvGraphicFramePr>
+          <p:cNvPr id="4" name="Tabela 3"/>
+          <p:cNvGraphicFramePr>
+            <a:graphicFrameLocks noGrp="1"/>
+          </p:cNvGraphicFramePr>
+          <p:nvPr>
+            <p:extLst>
+              <p:ext uri="{D42A27DB-BD31-4B8C-83A1-F6EECF244321}">
+                <p14:modId xmlns:p14="http://schemas.microsoft.com/office/powerpoint/2010/main" val="3983193816"/>
+              </p:ext>
+            </p:extLst>
+          </p:nvPr>
+        </p:nvGraphicFramePr>
+        <p:xfrm>
+          <a:off x="1209674" y="3390899"/>
+          <a:ext cx="9886951" cy="2800350"/>
+        </p:xfrm>
+        <a:graphic>
+          <a:graphicData uri="http://schemas.openxmlformats.org/drawingml/2006/table">
+            <a:tbl>
+              <a:tblPr firstRow="1" bandRow="1">
+                <a:tableStyleId>{5C22544A-7EE6-4342-B048-85BDC9FD1C3A}</a:tableStyleId>
+              </a:tblPr>
+              <a:tblGrid>
+                <a:gridCol w="3539773"/>
+                <a:gridCol w="6347178"/>
+              </a:tblGrid>
+              <a:tr h="560070">
+                <a:tc>
+                  <a:txBody>
+                    <a:bodyPr/>
+                    <a:lstStyle/>
+                    <a:p>
+                      <a:pPr marL="457200" lvl="0" indent="-457200">
+                        <a:buFont typeface="Arial" panose="020B0604020202020204" pitchFamily="34" charset="0"/>
+                        <a:buChar char="•"/>
+                      </a:pPr>
+                      <a:r>
+                        <a:rPr lang="pt-BR" sz="2800" b="0" dirty="0" smtClean="0">
+                          <a:solidFill>
+                            <a:schemeClr val="tx1"/>
+                          </a:solidFill>
+                        </a:rPr>
+                        <a:t>Dores de cabeça;</a:t>
+                      </a:r>
+                    </a:p>
+                  </a:txBody>
+                  <a:tcPr>
+                    <a:noFill/>
+                  </a:tcPr>
+                </a:tc>
+                <a:tc>
+                  <a:txBody>
+                    <a:bodyPr/>
+                    <a:lstStyle/>
+                    <a:p>
+                      <a:pPr marL="457200" marR="0" lvl="0" indent="-457200" algn="l" defTabSz="914400" rtl="0" eaLnBrk="1" fontAlgn="auto" latinLnBrk="0" hangingPunct="1">
+                        <a:lnSpc>
+                          <a:spcPct val="100000"/>
+                        </a:lnSpc>
+                        <a:spcBef>
+                          <a:spcPts val="0"/>
+                        </a:spcBef>
+                        <a:spcAft>
+                          <a:spcPts val="0"/>
+                        </a:spcAft>
+                        <a:buClrTx/>
+                        <a:buSzTx/>
+                        <a:buFont typeface="Arial" panose="020B0604020202020204" pitchFamily="34" charset="0"/>
+                        <a:buChar char="•"/>
+                        <a:tabLst/>
+                        <a:defRPr/>
+                      </a:pPr>
+                      <a:r>
+                        <a:rPr lang="pt-BR" sz="2800" b="0" dirty="0" smtClean="0">
+                          <a:solidFill>
+                            <a:schemeClr val="tx1"/>
+                          </a:solidFill>
+                        </a:rPr>
+                        <a:t>Visão dupla;</a:t>
+                      </a:r>
+                    </a:p>
+                  </a:txBody>
+                  <a:tcPr>
+                    <a:noFill/>
+                  </a:tcPr>
+                </a:tc>
+              </a:tr>
+              <a:tr h="560070">
+                <a:tc>
+                  <a:txBody>
+                    <a:bodyPr/>
+                    <a:lstStyle/>
+                    <a:p>
+                      <a:pPr marL="457200" marR="0" lvl="0" indent="-457200" algn="l" defTabSz="914400" rtl="0" eaLnBrk="1" fontAlgn="auto" latinLnBrk="0" hangingPunct="1">
+                        <a:lnSpc>
+                          <a:spcPct val="100000"/>
+                        </a:lnSpc>
+                        <a:spcBef>
+                          <a:spcPts val="0"/>
+                        </a:spcBef>
+                        <a:spcAft>
+                          <a:spcPts val="0"/>
+                        </a:spcAft>
+                        <a:buClrTx/>
+                        <a:buSzTx/>
+                        <a:buFont typeface="Arial" panose="020B0604020202020204" pitchFamily="34" charset="0"/>
+                        <a:buChar char="•"/>
+                        <a:tabLst/>
+                        <a:defRPr/>
+                      </a:pPr>
+                      <a:r>
+                        <a:rPr lang="pt-BR" sz="2800" dirty="0" smtClean="0"/>
+                        <a:t>Perda de foco;</a:t>
+                      </a:r>
+                    </a:p>
+                  </a:txBody>
+                  <a:tcPr>
+                    <a:noFill/>
+                  </a:tcPr>
+                </a:tc>
+                <a:tc>
+                  <a:txBody>
+                    <a:bodyPr/>
+                    <a:lstStyle/>
+                    <a:p>
+                      <a:pPr marL="457200" marR="0" lvl="0" indent="-457200" algn="l" defTabSz="914400" rtl="0" eaLnBrk="1" fontAlgn="auto" latinLnBrk="0" hangingPunct="1">
+                        <a:lnSpc>
+                          <a:spcPct val="100000"/>
+                        </a:lnSpc>
+                        <a:spcBef>
+                          <a:spcPts val="0"/>
+                        </a:spcBef>
+                        <a:spcAft>
+                          <a:spcPts val="0"/>
+                        </a:spcAft>
+                        <a:buClrTx/>
+                        <a:buSzTx/>
+                        <a:buFont typeface="Arial" panose="020B0604020202020204" pitchFamily="34" charset="0"/>
+                        <a:buChar char="•"/>
+                        <a:tabLst/>
+                        <a:defRPr/>
+                      </a:pPr>
+                      <a:r>
+                        <a:rPr lang="pt-BR" sz="2800" dirty="0" smtClean="0"/>
+                        <a:t>Movimentos involuntários dos olhos;</a:t>
+                      </a:r>
+                    </a:p>
+                  </a:txBody>
+                  <a:tcPr>
+                    <a:noFill/>
+                  </a:tcPr>
+                </a:tc>
+              </a:tr>
+              <a:tr h="560070">
+                <a:tc>
+                  <a:txBody>
+                    <a:bodyPr/>
+                    <a:lstStyle/>
+                    <a:p>
+                      <a:pPr marL="457200" marR="0" lvl="0" indent="-457200" algn="l" defTabSz="914400" rtl="0" eaLnBrk="1" fontAlgn="auto" latinLnBrk="0" hangingPunct="1">
+                        <a:lnSpc>
+                          <a:spcPct val="100000"/>
+                        </a:lnSpc>
+                        <a:spcBef>
+                          <a:spcPts val="0"/>
+                        </a:spcBef>
+                        <a:spcAft>
+                          <a:spcPts val="0"/>
+                        </a:spcAft>
+                        <a:buClrTx/>
+                        <a:buSzTx/>
+                        <a:buFont typeface="Arial" panose="020B0604020202020204" pitchFamily="34" charset="0"/>
+                        <a:buChar char="•"/>
+                        <a:tabLst/>
+                        <a:defRPr/>
+                      </a:pPr>
+                      <a:r>
+                        <a:rPr lang="pt-BR" sz="2800" dirty="0" smtClean="0"/>
+                        <a:t>Olhos ardentes;</a:t>
+                      </a:r>
+                    </a:p>
+                  </a:txBody>
+                  <a:tcPr>
+                    <a:noFill/>
+                  </a:tcPr>
+                </a:tc>
+                <a:tc>
+                  <a:txBody>
+                    <a:bodyPr/>
+                    <a:lstStyle/>
+                    <a:p>
+                      <a:pPr marL="457200" marR="0" lvl="0" indent="-457200" algn="l" defTabSz="914400" rtl="0" eaLnBrk="1" fontAlgn="auto" latinLnBrk="0" hangingPunct="1">
+                        <a:lnSpc>
+                          <a:spcPct val="100000"/>
+                        </a:lnSpc>
+                        <a:spcBef>
+                          <a:spcPts val="0"/>
+                        </a:spcBef>
+                        <a:spcAft>
+                          <a:spcPts val="0"/>
+                        </a:spcAft>
+                        <a:buClrTx/>
+                        <a:buSzTx/>
+                        <a:buFont typeface="Arial" panose="020B0604020202020204" pitchFamily="34" charset="0"/>
+                        <a:buChar char="•"/>
+                        <a:tabLst/>
+                        <a:defRPr/>
+                      </a:pPr>
+                      <a:r>
+                        <a:rPr lang="pt-BR" sz="2800" dirty="0" smtClean="0"/>
+                        <a:t>Visão turva;</a:t>
+                      </a:r>
+                    </a:p>
+                  </a:txBody>
+                  <a:tcPr>
+                    <a:noFill/>
+                  </a:tcPr>
+                </a:tc>
+              </a:tr>
+              <a:tr h="560070">
+                <a:tc>
+                  <a:txBody>
+                    <a:bodyPr/>
+                    <a:lstStyle/>
+                    <a:p>
+                      <a:pPr marL="457200" marR="0" lvl="0" indent="-457200" algn="l" defTabSz="914400" rtl="0" eaLnBrk="1" fontAlgn="auto" latinLnBrk="0" hangingPunct="1">
+                        <a:lnSpc>
+                          <a:spcPct val="100000"/>
+                        </a:lnSpc>
+                        <a:spcBef>
+                          <a:spcPts val="0"/>
+                        </a:spcBef>
+                        <a:spcAft>
+                          <a:spcPts val="0"/>
+                        </a:spcAft>
+                        <a:buClrTx/>
+                        <a:buSzTx/>
+                        <a:buFont typeface="Arial" panose="020B0604020202020204" pitchFamily="34" charset="0"/>
+                        <a:buChar char="•"/>
+                        <a:tabLst/>
+                        <a:defRPr/>
+                      </a:pPr>
+                      <a:r>
+                        <a:rPr lang="pt-BR" sz="2800" dirty="0" smtClean="0"/>
+                        <a:t>Olhos cansados;</a:t>
+                      </a:r>
+                    </a:p>
+                  </a:txBody>
+                  <a:tcPr>
+                    <a:noFill/>
+                  </a:tcPr>
+                </a:tc>
+                <a:tc>
+                  <a:txBody>
+                    <a:bodyPr/>
+                    <a:lstStyle/>
+                    <a:p>
+                      <a:pPr marL="457200" marR="0" lvl="0" indent="-457200" algn="l" defTabSz="914400" rtl="0" eaLnBrk="1" fontAlgn="auto" latinLnBrk="0" hangingPunct="1">
+                        <a:lnSpc>
+                          <a:spcPct val="100000"/>
+                        </a:lnSpc>
+                        <a:spcBef>
+                          <a:spcPts val="0"/>
+                        </a:spcBef>
+                        <a:spcAft>
+                          <a:spcPts val="0"/>
+                        </a:spcAft>
+                        <a:buClrTx/>
+                        <a:buSzTx/>
+                        <a:buFont typeface="Arial" panose="020B0604020202020204" pitchFamily="34" charset="0"/>
+                        <a:buChar char="•"/>
+                        <a:tabLst/>
+                        <a:defRPr/>
+                      </a:pPr>
+                      <a:r>
+                        <a:rPr lang="pt-BR" sz="2800" dirty="0" smtClean="0"/>
+                        <a:t>Dor no pescoço e nos ombros.</a:t>
+                      </a:r>
+                    </a:p>
+                  </a:txBody>
+                  <a:tcPr>
+                    <a:noFill/>
+                  </a:tcPr>
+                </a:tc>
+              </a:tr>
+              <a:tr h="560070">
+                <a:tc>
+                  <a:txBody>
+                    <a:bodyPr/>
+                    <a:lstStyle/>
+                    <a:p>
+                      <a:pPr marL="457200" marR="0" lvl="0" indent="-457200" algn="l" defTabSz="914400" rtl="0" eaLnBrk="1" fontAlgn="auto" latinLnBrk="0" hangingPunct="1">
+                        <a:lnSpc>
+                          <a:spcPct val="100000"/>
+                        </a:lnSpc>
+                        <a:spcBef>
+                          <a:spcPts val="0"/>
+                        </a:spcBef>
+                        <a:spcAft>
+                          <a:spcPts val="0"/>
+                        </a:spcAft>
+                        <a:buClrTx/>
+                        <a:buSzTx/>
+                        <a:buFont typeface="Arial" panose="020B0604020202020204" pitchFamily="34" charset="0"/>
+                        <a:buChar char="•"/>
+                        <a:tabLst/>
+                        <a:defRPr/>
+                      </a:pPr>
+                      <a:r>
+                        <a:rPr lang="pt-BR" sz="2800" dirty="0" smtClean="0"/>
+                        <a:t>Olhos vermelhos;</a:t>
+                      </a:r>
+                    </a:p>
+                  </a:txBody>
+                  <a:tcPr>
+                    <a:noFill/>
+                  </a:tcPr>
+                </a:tc>
+                <a:tc>
+                  <a:txBody>
+                    <a:bodyPr/>
+                    <a:lstStyle/>
+                    <a:p>
+                      <a:endParaRPr lang="pt-BR" sz="2800" dirty="0"/>
+                    </a:p>
+                  </a:txBody>
+                  <a:tcPr>
+                    <a:noFill/>
+                  </a:tcPr>
+                </a:tc>
+              </a:tr>
+            </a:tbl>
+          </a:graphicData>
+        </a:graphic>
+      </p:graphicFrame>
     </p:spTree>
     <p:extLst>
       <p:ext uri="{BB962C8B-B14F-4D97-AF65-F5344CB8AC3E}">
-        <p14:creationId xmlns:p14="http://schemas.microsoft.com/office/powerpoint/2010/main" val="764574295"/>
+        <p14:creationId xmlns:p14="http://schemas.microsoft.com/office/powerpoint/2010/main" val="2920143191"/>
       </p:ext>
     </p:extLst>
   </p:cSld>
@@ -3216,10 +3611,281 @@
           <a:p>
             <a:pPr algn="ctr"/>
             <a:r>
+              <a:rPr lang="pt-BR" b="1" dirty="0" smtClean="0"/>
+              <a:t>Principais problemas de Visão</a:t>
+            </a:r>
+            <a:endParaRPr lang="pt-BR" b="1" dirty="0"/>
+          </a:p>
+        </p:txBody>
+      </p:sp>
+      <p:sp>
+        <p:nvSpPr>
+          <p:cNvPr id="3" name="Espaço Reservado para Conteúdo 2"/>
+          <p:cNvSpPr>
+            <a:spLocks noGrp="1"/>
+          </p:cNvSpPr>
+          <p:nvPr>
+            <p:ph idx="1"/>
+          </p:nvPr>
+        </p:nvSpPr>
+        <p:spPr>
+          <a:xfrm>
+            <a:off x="542925" y="1481138"/>
+            <a:ext cx="11106150" cy="5186363"/>
+          </a:xfrm>
+        </p:spPr>
+        <p:txBody>
+          <a:bodyPr numCol="1">
+            <a:normAutofit/>
+          </a:bodyPr>
+          <a:lstStyle/>
+          <a:p>
+            <a:r>
               <a:rPr lang="pt-BR" dirty="0" smtClean="0"/>
+              <a:t>A quantidade de pessoas que portam os sintomas citados é tão grande, que foi criado um termo que engloba todos esses problemas em uma síndrome chamada Síndrome da Visão </a:t>
+            </a:r>
+            <a:r>
+              <a:rPr lang="pt-BR" dirty="0"/>
+              <a:t>do Computador </a:t>
+            </a:r>
+            <a:r>
+              <a:rPr lang="pt-BR" dirty="0" smtClean="0"/>
+              <a:t>ou CVS </a:t>
+            </a:r>
+            <a:r>
+              <a:rPr lang="pt-BR" dirty="0"/>
+              <a:t>(do Inglês </a:t>
+            </a:r>
+            <a:r>
+              <a:rPr lang="pt-BR" i="1" dirty="0"/>
+              <a:t>Computer </a:t>
+            </a:r>
+            <a:r>
+              <a:rPr lang="en-US" i="1" dirty="0"/>
+              <a:t>Vision</a:t>
+            </a:r>
+            <a:r>
+              <a:rPr lang="pt-BR" i="1" dirty="0"/>
+              <a:t> </a:t>
+            </a:r>
+            <a:r>
+              <a:rPr lang="en-US" i="1" dirty="0"/>
+              <a:t>Syndrome</a:t>
+            </a:r>
+            <a:r>
+              <a:rPr lang="pt-BR" dirty="0" smtClean="0"/>
+              <a:t>).</a:t>
+            </a:r>
+          </a:p>
+          <a:p>
+            <a:endParaRPr lang="pt-BR" dirty="0"/>
+          </a:p>
+          <a:p>
+            <a:r>
+              <a:rPr lang="pt-BR" dirty="0" smtClean="0"/>
+              <a:t>Se você passa mais de duas horas por dia na frente do computador, é provável que já tenha experimentado algum grau da CVS.</a:t>
+            </a:r>
+            <a:endParaRPr lang="pt-BR" dirty="0"/>
+          </a:p>
+          <a:p>
+            <a:endParaRPr lang="pt-BR" dirty="0" smtClean="0"/>
+          </a:p>
+          <a:p>
+            <a:r>
+              <a:rPr lang="pt-BR" dirty="0" smtClean="0"/>
+              <a:t>A CVS será tratada com mais detalhes um pouco mais a frente.</a:t>
+            </a:r>
+            <a:endParaRPr lang="pt-BR" dirty="0"/>
+          </a:p>
+        </p:txBody>
+      </p:sp>
+    </p:spTree>
+    <p:extLst>
+      <p:ext uri="{BB962C8B-B14F-4D97-AF65-F5344CB8AC3E}">
+        <p14:creationId xmlns:p14="http://schemas.microsoft.com/office/powerpoint/2010/main" val="2798627422"/>
+      </p:ext>
+    </p:extLst>
+  </p:cSld>
+  <p:clrMapOvr>
+    <a:masterClrMapping/>
+  </p:clrMapOvr>
+</p:sld>
+</file>
+
+<file path=ppt/slides/slide5.xml><?xml version="1.0" encoding="utf-8"?>
+<p:sld xmlns:a="http://schemas.openxmlformats.org/drawingml/2006/main" xmlns:r="http://schemas.openxmlformats.org/officeDocument/2006/relationships" xmlns:p="http://schemas.openxmlformats.org/presentationml/2006/main">
+  <p:cSld>
+    <p:spTree>
+      <p:nvGrpSpPr>
+        <p:cNvPr id="1" name=""/>
+        <p:cNvGrpSpPr/>
+        <p:nvPr/>
+      </p:nvGrpSpPr>
+      <p:grpSpPr>
+        <a:xfrm>
+          <a:off x="0" y="0"/>
+          <a:ext cx="0" cy="0"/>
+          <a:chOff x="0" y="0"/>
+          <a:chExt cx="0" cy="0"/>
+        </a:xfrm>
+      </p:grpSpPr>
+      <p:sp>
+        <p:nvSpPr>
+          <p:cNvPr id="2" name="Título 1"/>
+          <p:cNvSpPr>
+            <a:spLocks noGrp="1"/>
+          </p:cNvSpPr>
+          <p:nvPr>
+            <p:ph type="title"/>
+          </p:nvPr>
+        </p:nvSpPr>
+        <p:spPr/>
+        <p:txBody>
+          <a:bodyPr/>
+          <a:lstStyle/>
+          <a:p>
+            <a:pPr algn="ctr"/>
+            <a:r>
+              <a:rPr lang="pt-BR" b="1" dirty="0" smtClean="0"/>
+              <a:t>Principais problemas de Visão</a:t>
+            </a:r>
+            <a:endParaRPr lang="pt-BR" b="1" dirty="0"/>
+          </a:p>
+        </p:txBody>
+      </p:sp>
+      <p:sp>
+        <p:nvSpPr>
+          <p:cNvPr id="3" name="Espaço Reservado para Conteúdo 2"/>
+          <p:cNvSpPr>
+            <a:spLocks noGrp="1"/>
+          </p:cNvSpPr>
+          <p:nvPr>
+            <p:ph idx="1"/>
+          </p:nvPr>
+        </p:nvSpPr>
+        <p:spPr>
+          <a:xfrm>
+            <a:off x="838200" y="1791852"/>
+            <a:ext cx="10515600" cy="4544291"/>
+          </a:xfrm>
+        </p:spPr>
+        <p:txBody>
+          <a:bodyPr>
+            <a:normAutofit/>
+          </a:bodyPr>
+          <a:lstStyle/>
+          <a:p>
+            <a:pPr algn="just"/>
+            <a:r>
+              <a:rPr lang="pt-BR" dirty="0" smtClean="0"/>
+              <a:t>Em profissões </a:t>
+            </a:r>
+            <a:r>
+              <a:rPr lang="pt-BR" dirty="0" smtClean="0"/>
+              <a:t>de baixa salubridade como as da área de construção civil, o</a:t>
+            </a:r>
+            <a:r>
+              <a:rPr lang="pt-BR" dirty="0" smtClean="0"/>
+              <a:t> </a:t>
+            </a:r>
+            <a:r>
+              <a:rPr lang="pt-BR" dirty="0"/>
+              <a:t>descolamento da retina é um incidente que pode acontecer com os </a:t>
+            </a:r>
+            <a:r>
+              <a:rPr lang="pt-BR" dirty="0" smtClean="0"/>
+              <a:t>trabalhadores.</a:t>
+            </a:r>
+          </a:p>
+          <a:p>
+            <a:pPr algn="just"/>
+            <a:endParaRPr lang="pt-BR" dirty="0"/>
+          </a:p>
+          <a:p>
+            <a:pPr algn="just"/>
+            <a:r>
+              <a:rPr lang="pt-BR" dirty="0" smtClean="0"/>
+              <a:t>A </a:t>
+            </a:r>
+            <a:r>
+              <a:rPr lang="pt-BR" dirty="0"/>
+              <a:t>retina é o tecido nervoso do olho. Traumas, quedas ou batidas muito fortes na cabeça podem fazer com que a retina descole das outras </a:t>
+            </a:r>
+            <a:r>
+              <a:rPr lang="pt-BR" dirty="0" smtClean="0"/>
+              <a:t>estruturas. </a:t>
+            </a:r>
+            <a:r>
+              <a:rPr lang="pt-BR" dirty="0"/>
+              <a:t>Por </a:t>
+            </a:r>
+            <a:r>
+              <a:rPr lang="pt-BR" dirty="0" smtClean="0"/>
+              <a:t>isso </a:t>
+            </a:r>
+            <a:r>
+              <a:rPr lang="pt-BR" dirty="0"/>
+              <a:t>é muito importante a segurança no local de trabalho, o uso de equipamentos adequados, como capacetes e óculos de </a:t>
+            </a:r>
+            <a:r>
+              <a:rPr lang="pt-BR" dirty="0" smtClean="0"/>
+              <a:t>proteção é algo imprescindível para a prevenção de acidentes.</a:t>
+            </a:r>
+            <a:endParaRPr lang="pt-BR" dirty="0" smtClean="0"/>
+          </a:p>
+        </p:txBody>
+      </p:sp>
+    </p:spTree>
+    <p:extLst>
+      <p:ext uri="{BB962C8B-B14F-4D97-AF65-F5344CB8AC3E}">
+        <p14:creationId xmlns:p14="http://schemas.microsoft.com/office/powerpoint/2010/main" val="764574295"/>
+      </p:ext>
+    </p:extLst>
+  </p:cSld>
+  <p:clrMapOvr>
+    <a:masterClrMapping/>
+  </p:clrMapOvr>
+</p:sld>
+</file>
+
+<file path=ppt/slides/slide6.xml><?xml version="1.0" encoding="utf-8"?>
+<p:sld xmlns:a="http://schemas.openxmlformats.org/drawingml/2006/main" xmlns:r="http://schemas.openxmlformats.org/officeDocument/2006/relationships" xmlns:p="http://schemas.openxmlformats.org/presentationml/2006/main">
+  <p:cSld>
+    <p:spTree>
+      <p:nvGrpSpPr>
+        <p:cNvPr id="1" name=""/>
+        <p:cNvGrpSpPr/>
+        <p:nvPr/>
+      </p:nvGrpSpPr>
+      <p:grpSpPr>
+        <a:xfrm>
+          <a:off x="0" y="0"/>
+          <a:ext cx="0" cy="0"/>
+          <a:chOff x="0" y="0"/>
+          <a:chExt cx="0" cy="0"/>
+        </a:xfrm>
+      </p:grpSpPr>
+      <p:sp>
+        <p:nvSpPr>
+          <p:cNvPr id="2" name="Título 1"/>
+          <p:cNvSpPr>
+            <a:spLocks noGrp="1"/>
+          </p:cNvSpPr>
+          <p:nvPr>
+            <p:ph type="title"/>
+          </p:nvPr>
+        </p:nvSpPr>
+        <p:spPr/>
+        <p:txBody>
+          <a:bodyPr/>
+          <a:lstStyle/>
+          <a:p>
+            <a:pPr algn="ctr"/>
+            <a:r>
+              <a:rPr lang="pt-BR" b="1" dirty="0" smtClean="0"/>
               <a:t>Principais causas para problemas na visão em Ambiente de Trabalho</a:t>
             </a:r>
-            <a:endParaRPr lang="pt-BR" dirty="0"/>
+            <a:endParaRPr lang="pt-BR" b="1" dirty="0"/>
           </a:p>
         </p:txBody>
       </p:sp>
@@ -3233,20 +3899,73 @@
             <p:ph idx="1"/>
           </p:nvPr>
         </p:nvSpPr>
-        <p:spPr/>
-        <p:txBody>
-          <a:bodyPr/>
-          <a:lstStyle/>
-          <a:p>
+        <p:spPr>
+          <a:xfrm>
+            <a:off x="838200" y="1825625"/>
+            <a:ext cx="10515600" cy="4750666"/>
+          </a:xfrm>
+        </p:spPr>
+        <p:txBody>
+          <a:bodyPr>
+            <a:normAutofit/>
+          </a:bodyPr>
+          <a:lstStyle/>
+          <a:p>
+            <a:pPr algn="just"/>
             <a:r>
               <a:rPr lang="pt-BR" dirty="0" smtClean="0"/>
-              <a:t>Má utilização dos equipamentos de proteção ou a falta dele;</a:t>
-            </a:r>
-          </a:p>
-          <a:p>
+              <a:t>Quando relacionados ao ambiente de trabalho, o</a:t>
+            </a:r>
             <a:r>
               <a:rPr lang="pt-BR" dirty="0" smtClean="0"/>
-              <a:t>Uso incorreto das ferramentas de trabalho que interagem diretamente</a:t>
+              <a:t>s </a:t>
+            </a:r>
+            <a:r>
+              <a:rPr lang="pt-BR" dirty="0" smtClean="0"/>
+              <a:t>danos oculares podem ser classificados com base na forma </a:t>
+            </a:r>
+            <a:r>
+              <a:rPr lang="pt-BR" dirty="0" smtClean="0"/>
+              <a:t>da ocorrência do dano: </a:t>
+            </a:r>
+            <a:endParaRPr lang="pt-BR" dirty="0" smtClean="0"/>
+          </a:p>
+          <a:p>
+            <a:pPr algn="just"/>
+            <a:r>
+              <a:rPr lang="pt-BR" dirty="0" smtClean="0"/>
+              <a:t>Em algumas profissões, como citado anteriormente, os problemas visuais podem ser causados por impacto, perfuração ou contato de </a:t>
+            </a:r>
+            <a:r>
+              <a:rPr lang="pt-BR" dirty="0" smtClean="0"/>
+              <a:t>substâncias </a:t>
+            </a:r>
+            <a:r>
+              <a:rPr lang="pt-BR" dirty="0" smtClean="0"/>
+              <a:t>nocivas </a:t>
+            </a:r>
+            <a:r>
+              <a:rPr lang="pt-BR" dirty="0" smtClean="0"/>
+              <a:t>ao </a:t>
+            </a:r>
+            <a:r>
+              <a:rPr lang="pt-BR" dirty="0" smtClean="0"/>
+              <a:t>globo </a:t>
+            </a:r>
+            <a:r>
+              <a:rPr lang="pt-BR" dirty="0" smtClean="0"/>
+              <a:t>ocular. Em outros casos, existe o </a:t>
+            </a:r>
+            <a:r>
+              <a:rPr lang="pt-BR" dirty="0" smtClean="0"/>
+              <a:t>uso excessivo de ferramentas que interferem diretamente no desempenho da visão, causando perda da mesma de forma degenerativa.</a:t>
+            </a:r>
+          </a:p>
+          <a:p>
+            <a:pPr algn="just"/>
+            <a:r>
+              <a:rPr lang="pt-BR" dirty="0" smtClean="0"/>
+              <a:t>A principal causa para os problemas de visão atuais é o uso de forma descontrolada de computadores, afetando não somente profissionais, mas também usuários de longa data.</a:t>
             </a:r>
             <a:endParaRPr lang="pt-BR" dirty="0"/>
           </a:p>
@@ -3256,6 +3975,114 @@
     <p:extLst>
       <p:ext uri="{BB962C8B-B14F-4D97-AF65-F5344CB8AC3E}">
         <p14:creationId xmlns:p14="http://schemas.microsoft.com/office/powerpoint/2010/main" val="1793921587"/>
+      </p:ext>
+    </p:extLst>
+  </p:cSld>
+  <p:clrMapOvr>
+    <a:masterClrMapping/>
+  </p:clrMapOvr>
+</p:sld>
+</file>
+
+<file path=ppt/slides/slide7.xml><?xml version="1.0" encoding="utf-8"?>
+<p:sld xmlns:a="http://schemas.openxmlformats.org/drawingml/2006/main" xmlns:r="http://schemas.openxmlformats.org/officeDocument/2006/relationships" xmlns:p="http://schemas.openxmlformats.org/presentationml/2006/main">
+  <p:cSld>
+    <p:spTree>
+      <p:nvGrpSpPr>
+        <p:cNvPr id="1" name=""/>
+        <p:cNvGrpSpPr/>
+        <p:nvPr/>
+      </p:nvGrpSpPr>
+      <p:grpSpPr>
+        <a:xfrm>
+          <a:off x="0" y="0"/>
+          <a:ext cx="0" cy="0"/>
+          <a:chOff x="0" y="0"/>
+          <a:chExt cx="0" cy="0"/>
+        </a:xfrm>
+      </p:grpSpPr>
+      <p:sp>
+        <p:nvSpPr>
+          <p:cNvPr id="3" name="Espaço Reservado para Conteúdo 2"/>
+          <p:cNvSpPr>
+            <a:spLocks noGrp="1"/>
+          </p:cNvSpPr>
+          <p:nvPr>
+            <p:ph idx="1"/>
+          </p:nvPr>
+        </p:nvSpPr>
+        <p:spPr>
+          <a:xfrm>
+            <a:off x="838200" y="1690689"/>
+            <a:ext cx="10515600" cy="4959494"/>
+          </a:xfrm>
+        </p:spPr>
+        <p:txBody>
+          <a:bodyPr>
+            <a:normAutofit lnSpcReduction="10000"/>
+          </a:bodyPr>
+          <a:lstStyle/>
+          <a:p>
+            <a:pPr algn="just"/>
+            <a:r>
+              <a:rPr lang="pt-BR" dirty="0" smtClean="0"/>
+              <a:t>Outros fatores que podem causar problemas de visão e que acabam passando despercebidos na maioria das vezes é o uso de ar condicionado ou ventiladores em locais fechados, como os escritórios. Esses aparelhos conseguem reduzir consideravelmente a umidade do local </a:t>
+            </a:r>
+            <a:r>
+              <a:rPr lang="pt-BR" dirty="0"/>
+              <a:t>quando usados </a:t>
+            </a:r>
+            <a:r>
+              <a:rPr lang="pt-BR" dirty="0" smtClean="0"/>
+              <a:t>em demasia, </a:t>
+            </a:r>
+            <a:r>
+              <a:rPr lang="pt-BR" dirty="0" smtClean="0"/>
+              <a:t>e a situação pode ser pior em algumas regiões do país onde o clima é predominantemente seco. </a:t>
+            </a:r>
+            <a:r>
+              <a:rPr lang="pt-BR" dirty="0" smtClean="0"/>
+              <a:t>A baixa umidade pode provocar irritação nos olhos, vermelhidão ocular e possíveis dores e em casos mais graves, podem ocorrer ferimentos nas córneas. </a:t>
+            </a:r>
+          </a:p>
+          <a:p>
+            <a:pPr algn="just"/>
+            <a:r>
+              <a:rPr lang="pt-BR" dirty="0" smtClean="0"/>
+              <a:t>Já a falta de ventilação em ambientes fechados propicia a circulação e o contágio de doenças como a conjuntivite. Portanto, o ideal é manter o ambiente com umidade e temperatura agradáveis, de forma a não pecar pelo excesso.</a:t>
+            </a:r>
+            <a:endParaRPr lang="pt-BR" dirty="0"/>
+          </a:p>
+        </p:txBody>
+      </p:sp>
+      <p:sp>
+        <p:nvSpPr>
+          <p:cNvPr id="4" name="Título 1"/>
+          <p:cNvSpPr>
+            <a:spLocks noGrp="1"/>
+          </p:cNvSpPr>
+          <p:nvPr>
+            <p:ph type="title"/>
+          </p:nvPr>
+        </p:nvSpPr>
+        <p:spPr/>
+        <p:txBody>
+          <a:bodyPr/>
+          <a:lstStyle/>
+          <a:p>
+            <a:pPr algn="ctr"/>
+            <a:r>
+              <a:rPr lang="pt-BR" b="1" dirty="0" smtClean="0"/>
+              <a:t>Principais causas para problemas na visão em Ambiente de Trabalho</a:t>
+            </a:r>
+            <a:endParaRPr lang="pt-BR" b="1" dirty="0"/>
+          </a:p>
+        </p:txBody>
+      </p:sp>
+    </p:spTree>
+    <p:extLst>
+      <p:ext uri="{BB962C8B-B14F-4D97-AF65-F5344CB8AC3E}">
+        <p14:creationId xmlns:p14="http://schemas.microsoft.com/office/powerpoint/2010/main" val="3092372542"/>
       </p:ext>
     </p:extLst>
   </p:cSld>
